--- a/inflearn04/doc/4.서비스 로직을 재사용할 수 있는 IoC 와 DI 를 구현합니다.pptx
+++ b/inflearn04/doc/4.서비스 로직을 재사용할 수 있는 IoC 와 DI 를 구현합니다.pptx
@@ -645,7 +645,7 @@
                 <a:latin typeface="맑은 고딕" panose="020B0503020000020004" pitchFamily="50" charset="-127"/>
                 <a:ea typeface="맑은 고딕" panose="020B0503020000020004" pitchFamily="50" charset="-127"/>
               </a:rPr>
-              <a:t>2021년 7월 25일</a:t>
+              <a:t>2021년 7월 26일</a:t>
             </a:fld>
             <a:endParaRPr lang="ko-KR" altLang="en-US">
               <a:latin typeface="맑은 고딕" panose="020B0503020000020004" pitchFamily="50" charset="-127"/>
@@ -831,7 +831,7 @@
             <a:fld id="{BE16EC8A-0758-4FA9-BF4D-3119057076D1}" type="datetime4">
               <a:rPr lang="ko-KR" altLang="en-US" smtClean="0"/>
               <a:pPr/>
-              <a:t>2021년 7월 25일</a:t>
+              <a:t>2021년 7월 26일</a:t>
             </a:fld>
             <a:endParaRPr lang="ko-KR" altLang="en-US"/>
           </a:p>
@@ -3407,7 +3407,7 @@
           <a:p>
             <a:fld id="{2A5B65E4-62A8-4988-B07B-5D6D443B14ED}" type="datetime4">
               <a:rPr lang="ko-KR" altLang="en-US" smtClean="0"/>
-              <a:t>2021년 7월 25일</a:t>
+              <a:t>2021년 7월 26일</a:t>
             </a:fld>
             <a:endParaRPr lang="ko-KR" altLang="en-US"/>
           </a:p>
@@ -3663,7 +3663,7 @@
           <a:p>
             <a:fld id="{58EB6286-0DE7-4336-9826-977AD102FCF2}" type="datetime4">
               <a:rPr lang="ko-KR" altLang="en-US" noProof="0" smtClean="0"/>
-              <a:t>2021년 7월 25일</a:t>
+              <a:t>2021년 7월 26일</a:t>
             </a:fld>
             <a:endParaRPr lang="ko-KR" altLang="en-US" noProof="0"/>
           </a:p>
@@ -3859,7 +3859,7 @@
             <a:pPr rtl="0"/>
             <a:fld id="{6A5419DA-7218-42E5-A443-F000500111E1}" type="datetime4">
               <a:rPr lang="ko-KR" altLang="en-US" noProof="0" smtClean="0"/>
-              <a:t>2021년 7월 25일</a:t>
+              <a:t>2021년 7월 26일</a:t>
             </a:fld>
             <a:endParaRPr lang="ko-KR" altLang="en-US" noProof="0"/>
           </a:p>
@@ -6260,7 +6260,7 @@
           <a:p>
             <a:fld id="{E498C52F-1DF1-4226-BAB6-C1E2EE4C9D62}" type="datetime4">
               <a:rPr lang="ko-KR" altLang="en-US" noProof="0" smtClean="0"/>
-              <a:t>2021년 7월 25일</a:t>
+              <a:t>2021년 7월 26일</a:t>
             </a:fld>
             <a:endParaRPr lang="ko-KR" altLang="en-US" noProof="0"/>
           </a:p>
@@ -6779,7 +6779,7 @@
           <a:p>
             <a:fld id="{7B1E1FFC-F755-4558-8D3C-A157D1A01A8A}" type="datetime4">
               <a:rPr lang="ko-KR" altLang="en-US" noProof="0" smtClean="0"/>
-              <a:t>2021년 7월 25일</a:t>
+              <a:t>2021년 7월 26일</a:t>
             </a:fld>
             <a:endParaRPr lang="ko-KR" altLang="en-US" noProof="0"/>
           </a:p>
@@ -6923,7 +6923,7 @@
             <a:pPr rtl="0"/>
             <a:fld id="{DA2A33C0-A4A8-4C90-B6DA-35B8CF58C816}" type="datetime4">
               <a:rPr lang="ko-KR" altLang="en-US" noProof="0" smtClean="0"/>
-              <a:t>2021년 7월 25일</a:t>
+              <a:t>2021년 7월 26일</a:t>
             </a:fld>
             <a:endParaRPr lang="ko-KR" altLang="en-US" noProof="0"/>
           </a:p>
@@ -8871,7 +8871,7 @@
           <a:p>
             <a:fld id="{53CB1B8F-A14A-4BE4-A9B9-3B263F04145C}" type="datetime4">
               <a:rPr lang="ko-KR" altLang="en-US" noProof="0" smtClean="0"/>
-              <a:t>2021년 7월 25일</a:t>
+              <a:t>2021년 7월 26일</a:t>
             </a:fld>
             <a:endParaRPr lang="ko-KR" altLang="en-US" noProof="0"/>
           </a:p>
@@ -11168,7 +11168,7 @@
           <a:p>
             <a:fld id="{5B9196A3-957C-4113-A568-B6ED9AEA3D01}" type="datetime4">
               <a:rPr lang="ko-KR" altLang="en-US" noProof="0" smtClean="0"/>
-              <a:t>2021년 7월 25일</a:t>
+              <a:t>2021년 7월 26일</a:t>
             </a:fld>
             <a:endParaRPr lang="ko-KR" altLang="en-US" noProof="0"/>
           </a:p>
@@ -15485,7 +15485,7 @@
           <a:p>
             <a:fld id="{28BEB146-D335-4DA5-9826-58595BCDBE2E}" type="datetime4">
               <a:rPr lang="ko-KR" altLang="en-US" noProof="0" smtClean="0"/>
-              <a:t>2021년 7월 25일</a:t>
+              <a:t>2021년 7월 26일</a:t>
             </a:fld>
             <a:endParaRPr lang="ko-KR" altLang="en-US" noProof="0"/>
           </a:p>
@@ -16184,12 +16184,16 @@
           <a:p>
             <a:pPr lvl="1"/>
             <a:r>
+              <a:rPr lang="ko-KR" altLang="en-US" dirty="0"/>
+              <a:t>개발자가 만든 </a:t>
+            </a:r>
+            <a:r>
               <a:rPr lang="ko-KR" altLang="en-US" dirty="0">
                 <a:solidFill>
                   <a:srgbClr val="FF0000"/>
                 </a:solidFill>
               </a:rPr>
-              <a:t>개발자가 만든 공통기능을 쉽게 사용</a:t>
+              <a:t>공통기능을 쉽게 사용</a:t>
             </a:r>
             <a:endParaRPr lang="en-US" altLang="ko-KR" dirty="0">
               <a:solidFill>
@@ -16200,30 +16204,100 @@
           <a:p>
             <a:pPr lvl="1"/>
             <a:r>
-              <a:rPr lang="ko-KR" altLang="en-US" dirty="0">
+              <a:rPr lang="ko-KR" altLang="en-US" dirty="0"/>
+              <a:t>개발자의 공통기능 </a:t>
+            </a:r>
+            <a:r>
+              <a:rPr lang="en-US" altLang="ko-KR" dirty="0"/>
+              <a:t>= </a:t>
+            </a:r>
+            <a:r>
+              <a:rPr lang="ko-KR" altLang="en-US"/>
+              <a:t>서비스 로직</a:t>
+            </a:r>
+            <a:endParaRPr lang="en-US" altLang="ko-KR" dirty="0"/>
+          </a:p>
+          <a:p>
+            <a:r>
+              <a:rPr lang="en-US" altLang="ko-KR" dirty="0"/>
+              <a:t>IoC </a:t>
+            </a:r>
+            <a:r>
+              <a:rPr lang="ko-KR" altLang="en-US" dirty="0"/>
+              <a:t>와 </a:t>
+            </a:r>
+            <a:r>
+              <a:rPr lang="en-US" altLang="ko-KR" dirty="0"/>
+              <a:t>DI </a:t>
+            </a:r>
+            <a:r>
+              <a:rPr lang="ko-KR" altLang="en-US" dirty="0"/>
+              <a:t>기능 구현</a:t>
+            </a:r>
+            <a:endParaRPr lang="en-US" altLang="ko-KR" dirty="0"/>
+          </a:p>
+          <a:p>
+            <a:pPr lvl="1"/>
+            <a:r>
+              <a:rPr lang="en-US" altLang="ko-KR" dirty="0" err="1"/>
+              <a:t>MasterController.execute</a:t>
+            </a:r>
+            <a:r>
+              <a:rPr lang="en-US" altLang="ko-KR" dirty="0"/>
+              <a:t>("</a:t>
+            </a:r>
+            <a:r>
+              <a:rPr lang="en-US" altLang="ko-KR" err="1"/>
+              <a:t>callList</a:t>
+            </a:r>
+            <a:r>
+              <a:rPr lang="en-US" altLang="ko-KR"/>
+              <a:t>")</a:t>
+            </a:r>
+          </a:p>
+          <a:p>
+            <a:pPr lvl="1"/>
+            <a:r>
+              <a:rPr lang="ko-KR" altLang="en-US">
                 <a:solidFill>
                   <a:srgbClr val="FF0000"/>
                 </a:solidFill>
               </a:rPr>
-              <a:t>개발자의 공통기능 </a:t>
-            </a:r>
-            <a:r>
-              <a:rPr lang="en-US" altLang="ko-KR" dirty="0">
+              <a:t>내용</a:t>
+            </a:r>
+            <a:r>
+              <a:rPr lang="en-US" altLang="ko-KR">
                 <a:solidFill>
                   <a:srgbClr val="FF0000"/>
                 </a:solidFill>
               </a:rPr>
-              <a:t>= </a:t>
-            </a:r>
-            <a:r>
-              <a:rPr lang="ko-KR" altLang="en-US" dirty="0">
+              <a:t>(</a:t>
+            </a:r>
+            <a:r>
+              <a:rPr lang="ko-KR" altLang="en-US">
                 <a:solidFill>
                   <a:srgbClr val="FF0000"/>
                 </a:solidFill>
               </a:rPr>
-              <a:t>서비스 코드</a:t>
-            </a:r>
-            <a:endParaRPr lang="en-US" altLang="ko-KR" dirty="0">
+              <a:t>데이터</a:t>
+            </a:r>
+            <a:r>
+              <a:rPr lang="en-US" altLang="ko-KR">
+                <a:solidFill>
+                  <a:srgbClr val="FF0000"/>
+                </a:solidFill>
+              </a:rPr>
+              <a:t>)</a:t>
+            </a:r>
+            <a:r>
+              <a:rPr lang="ko-KR" altLang="en-US">
+                <a:solidFill>
+                  <a:srgbClr val="FF0000"/>
+                </a:solidFill>
+              </a:rPr>
+              <a:t>결합 제공</a:t>
+            </a:r>
+            <a:endParaRPr lang="en-US" altLang="ko-KR">
               <a:solidFill>
                 <a:srgbClr val="FF0000"/>
               </a:solidFill>
@@ -16231,57 +16305,37 @@
           </a:p>
           <a:p>
             <a:r>
-              <a:rPr lang="en-US" altLang="ko-KR" dirty="0"/>
-              <a:t>IoC </a:t>
-            </a:r>
-            <a:r>
-              <a:rPr lang="ko-KR" altLang="en-US" dirty="0"/>
-              <a:t>와 </a:t>
-            </a:r>
-            <a:r>
-              <a:rPr lang="en-US" altLang="ko-KR" dirty="0"/>
-              <a:t>DI </a:t>
-            </a:r>
-            <a:r>
-              <a:rPr lang="ko-KR" altLang="en-US" dirty="0"/>
-              <a:t>기능 구현</a:t>
-            </a:r>
-            <a:endParaRPr lang="en-US" altLang="ko-KR" dirty="0"/>
+              <a:rPr lang="ko-KR" altLang="en-US"/>
+              <a:t>서비스 로직 </a:t>
+            </a:r>
+            <a:r>
+              <a:rPr lang="en-US" altLang="ko-KR"/>
+              <a:t>(</a:t>
+            </a:r>
+            <a:r>
+              <a:rPr lang="ko-KR" altLang="en-US"/>
+              <a:t>비즈니스 로직</a:t>
+            </a:r>
+            <a:r>
+              <a:rPr lang="en-US" altLang="ko-KR"/>
+              <a:t>)</a:t>
+            </a:r>
           </a:p>
           <a:p>
             <a:pPr lvl="1"/>
             <a:r>
-              <a:rPr lang="en-US" altLang="ko-KR" dirty="0" err="1">
+              <a:rPr lang="ko-KR" altLang="en-US">
                 <a:solidFill>
                   <a:srgbClr val="FF0000"/>
                 </a:solidFill>
               </a:rPr>
-              <a:t>MasterController.execute</a:t>
-            </a:r>
-            <a:r>
-              <a:rPr lang="en-US" altLang="ko-KR" dirty="0">
-                <a:solidFill>
-                  <a:srgbClr val="FF0000"/>
-                </a:solidFill>
-              </a:rPr>
-              <a:t>("</a:t>
-            </a:r>
-            <a:r>
-              <a:rPr lang="en-US" altLang="ko-KR" err="1">
-                <a:solidFill>
-                  <a:srgbClr val="FF0000"/>
-                </a:solidFill>
-              </a:rPr>
-              <a:t>callList</a:t>
-            </a:r>
-            <a:r>
-              <a:rPr lang="en-US" altLang="ko-KR">
-                <a:solidFill>
-                  <a:srgbClr val="FF0000"/>
-                </a:solidFill>
-              </a:rPr>
-              <a:t>")</a:t>
-            </a:r>
+              <a:t>요구사항을 개발자의 코드로 구현한 로직</a:t>
+            </a:r>
+            <a:endParaRPr lang="en-US" altLang="ko-KR">
+              <a:solidFill>
+                <a:srgbClr val="FF0000"/>
+              </a:solidFill>
+            </a:endParaRPr>
           </a:p>
         </p:txBody>
       </p:sp>
@@ -16434,7 +16488,7 @@
         <p:spPr/>
         <p:txBody>
           <a:bodyPr>
-            <a:normAutofit/>
+            <a:normAutofit fontScale="92500" lnSpcReduction="10000"/>
           </a:bodyPr>
           <a:lstStyle/>
           <a:p>
@@ -16485,14 +16539,38 @@
           </a:p>
           <a:p>
             <a:r>
-              <a:rPr lang="ko-KR" altLang="en-US" dirty="0">
+              <a:rPr lang="en-US" altLang="ko-KR"/>
+              <a:t>A </a:t>
+            </a:r>
+            <a:r>
+              <a:rPr lang="ko-KR" altLang="en-US" dirty="0"/>
+              <a:t>에서 </a:t>
+            </a:r>
+            <a:r>
+              <a:rPr lang="en-US" altLang="ko-KR" dirty="0"/>
+              <a:t>B </a:t>
+            </a:r>
+            <a:r>
+              <a:rPr lang="ko-KR" altLang="en-US" dirty="0"/>
+              <a:t>의 기능을 </a:t>
+            </a:r>
+            <a:r>
+              <a:rPr lang="ko-KR" altLang="en-US"/>
+              <a:t>사용하기 위해</a:t>
+            </a:r>
+            <a:endParaRPr lang="en-US" altLang="ko-KR"/>
+          </a:p>
+          <a:p>
+            <a:pPr lvl="1"/>
+            <a:r>
+              <a:rPr lang="ko-KR" altLang="en-US">
                 <a:solidFill>
                   <a:srgbClr val="FF0000"/>
                 </a:solidFill>
               </a:rPr>
-              <a:t>재사용은 컴파일이 필요</a:t>
-            </a:r>
-            <a:endParaRPr lang="en-US" altLang="ko-KR" dirty="0">
+              <a:t>기다려야 하고</a:t>
+            </a:r>
+            <a:endParaRPr lang="en-US" altLang="ko-KR">
               <a:solidFill>
                 <a:srgbClr val="FF0000"/>
               </a:solidFill>
@@ -16501,36 +16579,63 @@
           <a:p>
             <a:pPr lvl="1"/>
             <a:r>
-              <a:rPr lang="en-US" altLang="ko-KR" dirty="0"/>
-              <a:t>A </a:t>
-            </a:r>
-            <a:r>
-              <a:rPr lang="ko-KR" altLang="en-US" dirty="0"/>
-              <a:t>에서 </a:t>
-            </a:r>
-            <a:r>
-              <a:rPr lang="en-US" altLang="ko-KR" dirty="0"/>
-              <a:t>B </a:t>
-            </a:r>
-            <a:r>
-              <a:rPr lang="ko-KR" altLang="en-US" dirty="0"/>
-              <a:t>의 기능을 </a:t>
-            </a:r>
-            <a:r>
-              <a:rPr lang="ko-KR" altLang="en-US"/>
-              <a:t>사용하기 위해</a:t>
-            </a:r>
-            <a:endParaRPr lang="en-US" altLang="ko-KR"/>
-          </a:p>
-          <a:p>
-            <a:pPr lvl="1"/>
-            <a:r>
               <a:rPr lang="ko-KR" altLang="en-US">
                 <a:solidFill>
                   <a:srgbClr val="FF0000"/>
                 </a:solidFill>
               </a:rPr>
-              <a:t>기다려야 하고</a:t>
+              <a:t>변경이 있을때 같이 수정 하고</a:t>
+            </a:r>
+            <a:endParaRPr lang="en-US" altLang="ko-KR">
+              <a:solidFill>
+                <a:srgbClr val="FF0000"/>
+              </a:solidFill>
+            </a:endParaRPr>
+          </a:p>
+          <a:p>
+            <a:pPr lvl="1"/>
+            <a:r>
+              <a:rPr lang="ko-KR" altLang="en-US">
+                <a:solidFill>
+                  <a:srgbClr val="FF0000"/>
+                </a:solidFill>
+              </a:rPr>
+              <a:t>컴파일이 필요</a:t>
+            </a:r>
+            <a:endParaRPr lang="en-US" altLang="ko-KR">
+              <a:solidFill>
+                <a:srgbClr val="FF0000"/>
+              </a:solidFill>
+            </a:endParaRPr>
+          </a:p>
+          <a:p>
+            <a:r>
+              <a:rPr lang="en-US" altLang="ko-KR"/>
+              <a:t>A </a:t>
+            </a:r>
+            <a:r>
+              <a:rPr lang="ko-KR" altLang="en-US"/>
+              <a:t>와 </a:t>
+            </a:r>
+            <a:r>
+              <a:rPr lang="en-US" altLang="ko-KR"/>
+              <a:t>B </a:t>
+            </a:r>
+            <a:r>
+              <a:rPr lang="ko-KR" altLang="en-US"/>
+              <a:t>의 결합도를 낮춰야 함</a:t>
+            </a:r>
+            <a:endParaRPr lang="en-US" altLang="ko-KR"/>
+          </a:p>
+          <a:p>
+            <a:pPr lvl="1"/>
+            <a:r>
+              <a:rPr lang="ko-KR" altLang="en-US">
+                <a:solidFill>
+                  <a:srgbClr val="FF0000"/>
+                </a:solidFill>
+              </a:rPr>
+              <a:t>구현과 사용을 분리</a:t>
             </a:r>
             <a:r>
               <a:rPr lang="en-US" altLang="ko-KR">
@@ -16538,7 +16643,7 @@
                   <a:srgbClr val="FF0000"/>
                 </a:solidFill>
               </a:rPr>
-              <a:t> </a:t>
+              <a:t>, </a:t>
             </a:r>
             <a:r>
               <a:rPr lang="ko-KR" altLang="en-US">
@@ -16546,7 +16651,23 @@
                   <a:srgbClr val="FF0000"/>
                 </a:solidFill>
               </a:rPr>
-              <a:t>경우에 따라 코드 수정 발생</a:t>
+              <a:t>내용결합</a:t>
+            </a:r>
+            <a:r>
+              <a:rPr lang="en-US" altLang="ko-KR">
+                <a:solidFill>
+                  <a:srgbClr val="FF0000"/>
+                </a:solidFill>
+              </a:rPr>
+              <a:t>/</a:t>
+            </a:r>
+            <a:r>
+              <a:rPr lang="ko-KR" altLang="en-US">
+                <a:solidFill>
+                  <a:srgbClr val="FF0000"/>
+                </a:solidFill>
+              </a:rPr>
+              <a:t>스템프결합</a:t>
             </a:r>
             <a:endParaRPr lang="en-US" altLang="ko-KR" dirty="0">
               <a:solidFill>
@@ -16578,7 +16699,7 @@
         </p:blipFill>
         <p:spPr>
           <a:xfrm>
-            <a:off x="6800546" y="2053867"/>
+            <a:off x="6800546" y="1646238"/>
             <a:ext cx="4216560" cy="2619066"/>
           </a:xfrm>
           <a:prstGeom prst="rect">
@@ -16721,7 +16842,7 @@
         <p:spPr/>
         <p:txBody>
           <a:bodyPr>
-            <a:normAutofit fontScale="85000" lnSpcReduction="20000"/>
+            <a:normAutofit lnSpcReduction="10000"/>
           </a:bodyPr>
           <a:lstStyle/>
           <a:p>
@@ -16864,11 +16985,11 @@
               <a:t>B </a:t>
             </a:r>
             <a:r>
-              <a:rPr lang="ko-KR" altLang="en-US" dirty="0"/>
+              <a:rPr lang="ko-KR" altLang="en-US"/>
               <a:t>를 </a:t>
             </a:r>
             <a:r>
-              <a:rPr lang="ko-KR" altLang="en-US" dirty="0">
+              <a:rPr lang="ko-KR" altLang="en-US">
                 <a:solidFill>
                   <a:srgbClr val="FF0000"/>
                 </a:solidFill>
@@ -16876,23 +16997,11 @@
               <a:t>준비</a:t>
             </a:r>
             <a:r>
-              <a:rPr lang="ko-KR" altLang="en-US" dirty="0"/>
-              <a:t>하고</a:t>
-            </a:r>
-            <a:endParaRPr lang="en-US" altLang="ko-KR" dirty="0"/>
-          </a:p>
-          <a:p>
-            <a:pPr lvl="1"/>
-            <a:r>
-              <a:rPr lang="en-US" altLang="ko-KR" dirty="0"/>
-              <a:t>B </a:t>
-            </a:r>
-            <a:r>
-              <a:rPr lang="ko-KR" altLang="en-US" dirty="0"/>
-              <a:t>를 </a:t>
-            </a:r>
-            <a:r>
-              <a:rPr lang="ko-KR" altLang="en-US" dirty="0">
+              <a:rPr lang="ko-KR" altLang="en-US"/>
+              <a:t>하고 </a:t>
+            </a:r>
+            <a:r>
+              <a:rPr lang="ko-KR" altLang="en-US">
                 <a:solidFill>
                   <a:srgbClr val="FF0000"/>
                 </a:solidFill>
@@ -16900,23 +17009,15 @@
               <a:t>실행</a:t>
             </a:r>
             <a:r>
-              <a:rPr lang="ko-KR" altLang="en-US" dirty="0"/>
+              <a:rPr lang="ko-KR" altLang="en-US"/>
               <a:t>하고</a:t>
             </a:r>
-            <a:endParaRPr lang="en-US" altLang="ko-KR" dirty="0"/>
-          </a:p>
-          <a:p>
-            <a:pPr lvl="1"/>
-            <a:r>
-              <a:rPr lang="en-US" altLang="ko-KR" dirty="0"/>
-              <a:t>B </a:t>
-            </a:r>
-            <a:r>
-              <a:rPr lang="ko-KR" altLang="en-US" dirty="0"/>
-              <a:t>를 </a:t>
-            </a:r>
-            <a:r>
-              <a:rPr lang="ko-KR" altLang="en-US" dirty="0">
+            <a:r>
+              <a:rPr lang="en-US" altLang="ko-KR"/>
+              <a:t> </a:t>
+            </a:r>
+            <a:r>
+              <a:rPr lang="ko-KR" altLang="en-US">
                 <a:solidFill>
                   <a:srgbClr val="FF0000"/>
                 </a:solidFill>
@@ -16924,7 +17025,7 @@
               <a:t>마무리</a:t>
             </a:r>
             <a:r>
-              <a:rPr lang="ko-KR" altLang="en-US" dirty="0"/>
+              <a:rPr lang="ko-KR" altLang="en-US"/>
               <a:t>한다</a:t>
             </a:r>
             <a:r>
@@ -16934,7 +17035,7 @@
           </a:p>
           <a:p>
             <a:r>
-              <a:rPr lang="ko-KR" altLang="en-US" dirty="0">
+              <a:rPr lang="ko-KR" altLang="en-US">
                 <a:solidFill>
                   <a:srgbClr val="FF0000"/>
                 </a:solidFill>
@@ -16942,11 +17043,11 @@
               <a:t>의존성 주입</a:t>
             </a:r>
             <a:r>
-              <a:rPr lang="ko-KR" altLang="en-US" dirty="0"/>
+              <a:rPr lang="ko-KR" altLang="en-US"/>
               <a:t>과 </a:t>
             </a:r>
             <a:r>
-              <a:rPr lang="ko-KR" altLang="en-US" dirty="0">
+              <a:rPr lang="ko-KR" altLang="en-US">
                 <a:solidFill>
                   <a:srgbClr val="FF0000"/>
                 </a:solidFill>
@@ -16954,8 +17055,12 @@
               <a:t>역전제어</a:t>
             </a:r>
             <a:r>
+              <a:rPr lang="ko-KR" altLang="en-US"/>
+              <a:t>는 </a:t>
+            </a:r>
+            <a:r>
               <a:rPr lang="ko-KR" altLang="en-US" dirty="0"/>
-              <a:t>는 공통기능을 쉽게 재사용 할 수 있게 함</a:t>
+              <a:t>공통기능을 쉽게 재사용 할 수 있게 함</a:t>
             </a:r>
             <a:endParaRPr lang="en-US" altLang="ko-KR" dirty="0"/>
           </a:p>
@@ -17010,22 +17115,30 @@
           <a:p>
             <a:pPr lvl="1"/>
             <a:r>
+              <a:rPr lang="ko-KR" altLang="en-US">
+                <a:solidFill>
+                  <a:srgbClr val="FF0000"/>
+                </a:solidFill>
+              </a:rPr>
+              <a:t>내용결합도</a:t>
+            </a:r>
+            <a:r>
               <a:rPr lang="en-US" altLang="ko-KR">
                 <a:solidFill>
                   <a:srgbClr val="FF0000"/>
                 </a:solidFill>
               </a:rPr>
-              <a:t>MasterController.execute("callList")</a:t>
+              <a:t>, MasterController.execute("callList")</a:t>
             </a:r>
           </a:p>
         </p:txBody>
       </p:sp>
       <p:pic>
         <p:nvPicPr>
-          <p:cNvPr id="5" name="그림 4">
+          <p:cNvPr id="7" name="그림 6">
             <a:extLst>
               <a:ext uri="{FF2B5EF4-FFF2-40B4-BE49-F238E27FC236}">
-                <a16:creationId xmlns:a16="http://schemas.microsoft.com/office/drawing/2014/main" id="{5DEDDB00-F15D-4A26-B0A0-9BFC3A4F7FF7}"/>
+                <a16:creationId xmlns:a16="http://schemas.microsoft.com/office/drawing/2014/main" id="{DD039EE1-B17B-43CB-8462-8D41B2BC56C7}"/>
               </a:ext>
             </a:extLst>
           </p:cNvPr>
@@ -17042,7 +17155,7 @@
         </p:blipFill>
         <p:spPr>
           <a:xfrm>
-            <a:off x="6800546" y="2053867"/>
+            <a:off x="6800546" y="1646238"/>
             <a:ext cx="4216560" cy="2619066"/>
           </a:xfrm>
           <a:prstGeom prst="rect">
@@ -17052,10 +17165,10 @@
       </p:pic>
       <p:pic>
         <p:nvPicPr>
-          <p:cNvPr id="6" name="그림 5">
+          <p:cNvPr id="8" name="그림 7">
             <a:extLst>
               <a:ext uri="{FF2B5EF4-FFF2-40B4-BE49-F238E27FC236}">
-                <a16:creationId xmlns:a16="http://schemas.microsoft.com/office/drawing/2014/main" id="{E706B152-4181-464A-9384-9CC0524915D7}"/>
+                <a16:creationId xmlns:a16="http://schemas.microsoft.com/office/drawing/2014/main" id="{DF8210C7-918D-48EF-8BE0-AF5F4D854F97}"/>
               </a:ext>
             </a:extLst>
           </p:cNvPr>
@@ -17176,7 +17289,7 @@
         <p:spPr/>
         <p:txBody>
           <a:bodyPr>
-            <a:normAutofit/>
+            <a:normAutofit lnSpcReduction="10000"/>
           </a:bodyPr>
           <a:lstStyle/>
           <a:p>
@@ -17274,14 +17387,34 @@
           <a:p>
             <a:r>
               <a:rPr lang="ko-KR" altLang="en-US" dirty="0"/>
-              <a:t>의존성 주입의 기준</a:t>
-            </a:r>
-            <a:endParaRPr lang="en-US" altLang="ko-KR" dirty="0"/>
+              <a:t>의존성 </a:t>
+            </a:r>
+            <a:r>
+              <a:rPr lang="ko-KR" altLang="en-US"/>
+              <a:t>주입의 기준</a:t>
+            </a:r>
+            <a:endParaRPr lang="en-US" altLang="ko-KR"/>
           </a:p>
           <a:p>
             <a:pPr lvl="1"/>
             <a:r>
-              <a:rPr lang="en-US" altLang="ko-KR" dirty="0" err="1"/>
+              <a:rPr lang="ko-KR" altLang="en-US">
+                <a:solidFill>
+                  <a:srgbClr val="FF0000"/>
+                </a:solidFill>
+              </a:rPr>
+              <a:t>내용결합을 위해 사용되는 데이터</a:t>
+            </a:r>
+            <a:endParaRPr lang="en-US" altLang="ko-KR">
+              <a:solidFill>
+                <a:srgbClr val="FF0000"/>
+              </a:solidFill>
+            </a:endParaRPr>
+          </a:p>
+          <a:p>
+            <a:pPr lvl="1"/>
+            <a:r>
+              <a:rPr lang="en-US" altLang="ko-KR"/>
               <a:t>callList</a:t>
             </a:r>
             <a:r>
@@ -17374,12 +17507,16 @@
           <a:lstStyle/>
           <a:p>
             <a:r>
-              <a:rPr lang="ko-KR" altLang="en-US" dirty="0"/>
-              <a:t>의존성 주입 </a:t>
-            </a:r>
-            <a:r>
-              <a:rPr lang="en-US" altLang="ko-KR" dirty="0"/>
-              <a:t>(DI, Dependency Injection)</a:t>
+              <a:rPr lang="en-US" altLang="ko-KR"/>
+              <a:t>DI </a:t>
+            </a:r>
+            <a:r>
+              <a:rPr lang="ko-KR" altLang="en-US"/>
+              <a:t>정보는 어디에 보관해야 할까</a:t>
+            </a:r>
+            <a:r>
+              <a:rPr lang="en-US" altLang="ko-KR"/>
+              <a:t>?</a:t>
             </a:r>
             <a:endParaRPr lang="ko-KR" altLang="en-US" dirty="0"/>
           </a:p>
@@ -17463,12 +17600,45 @@
           </a:p>
           <a:p>
             <a:r>
-              <a:rPr lang="en-US" altLang="ko-KR" dirty="0"/>
-              <a:t>http://localhost:18080/waf/callList</a:t>
-            </a:r>
+              <a:rPr lang="en-US" altLang="ko-KR" dirty="0">
+                <a:hlinkClick r:id="rId2"/>
+              </a:rPr>
+              <a:t>http://localhost:18080/waf</a:t>
+            </a:r>
+            <a:r>
+              <a:rPr lang="en-US" altLang="ko-KR">
+                <a:hlinkClick r:id="rId2"/>
+              </a:rPr>
+              <a:t>/callList</a:t>
+            </a:r>
+            <a:endParaRPr lang="en-US" altLang="ko-KR"/>
           </a:p>
           <a:p>
             <a:pPr lvl="1"/>
+            <a:r>
+              <a:rPr lang="en-US" altLang="ko-KR">
+                <a:solidFill>
+                  <a:srgbClr val="FF0000"/>
+                </a:solidFill>
+              </a:rPr>
+              <a:t>DI </a:t>
+            </a:r>
+            <a:r>
+              <a:rPr lang="ko-KR" altLang="en-US">
+                <a:solidFill>
+                  <a:srgbClr val="FF0000"/>
+                </a:solidFill>
+              </a:rPr>
+              <a:t>정보는 테이블에 저장</a:t>
+            </a:r>
+            <a:endParaRPr lang="en-US" altLang="ko-KR" dirty="0">
+              <a:solidFill>
+                <a:srgbClr val="FF0000"/>
+              </a:solidFill>
+            </a:endParaRPr>
+          </a:p>
+          <a:p>
+            <a:pPr lvl="2"/>
             <a:r>
               <a:rPr lang="ko-KR" altLang="en-US" dirty="0">
                 <a:solidFill>
@@ -17488,7 +17658,7 @@
             <a:endParaRPr lang="en-US" altLang="ko-KR" dirty="0"/>
           </a:p>
           <a:p>
-            <a:pPr lvl="1"/>
+            <a:pPr lvl="2"/>
             <a:r>
               <a:rPr lang="ko-KR" altLang="en-US" dirty="0">
                 <a:solidFill>
@@ -17512,7 +17682,7 @@
             <a:endParaRPr lang="en-US" altLang="ko-KR" dirty="0"/>
           </a:p>
           <a:p>
-            <a:pPr lvl="1"/>
+            <a:pPr lvl="2"/>
             <a:r>
               <a:rPr lang="ko-KR" altLang="en-US" dirty="0"/>
               <a:t>서비스를 결정하는 의존 정보는 테이블에서 가져옴</a:t>
@@ -17520,7 +17690,7 @@
             <a:endParaRPr lang="en-US" altLang="ko-KR" dirty="0"/>
           </a:p>
           <a:p>
-            <a:pPr lvl="1"/>
+            <a:pPr lvl="2"/>
             <a:r>
               <a:rPr lang="ko-KR" altLang="en-US" dirty="0"/>
               <a:t>이관</a:t>
@@ -17559,7 +17729,7 @@
           <p:nvPr/>
         </p:nvPicPr>
         <p:blipFill rotWithShape="1">
-          <a:blip r:embed="rId2"/>
+          <a:blip r:embed="rId3"/>
           <a:srcRect r="47674"/>
           <a:stretch/>
         </p:blipFill>
@@ -17588,7 +17758,7 @@
           <p:nvPr/>
         </p:nvPicPr>
         <p:blipFill>
-          <a:blip r:embed="rId3"/>
+          <a:blip r:embed="rId4"/>
           <a:stretch>
             <a:fillRect/>
           </a:stretch>
@@ -17796,28 +17966,12 @@
             </a:r>
             <a:r>
               <a:rPr lang="en-US" altLang="ko-KR"/>
-              <a:t>.</a:t>
+              <a:t>. </a:t>
             </a:r>
           </a:p>
           <a:p>
-            <a:pPr lvl="1"/>
-            <a:r>
-              <a:rPr lang="ko-KR" altLang="en-US">
-                <a:solidFill>
-                  <a:srgbClr val="FF0000"/>
-                </a:solidFill>
-              </a:rPr>
-              <a:t>개발자의 코드가 필요함</a:t>
-            </a:r>
-            <a:endParaRPr lang="en-US" altLang="ko-KR" dirty="0">
-              <a:solidFill>
-                <a:srgbClr val="FF0000"/>
-              </a:solidFill>
-            </a:endParaRPr>
-          </a:p>
-          <a:p>
-            <a:r>
-              <a:rPr lang="ko-KR" altLang="en-US" dirty="0"/>
+            <a:r>
+              <a:rPr lang="ko-KR" altLang="en-US"/>
               <a:t>역전제어 </a:t>
             </a:r>
             <a:r>
@@ -17856,7 +18010,7 @@
             </a:r>
             <a:r>
               <a:rPr lang="en-US" altLang="ko-KR"/>
-              <a:t>. </a:t>
+              <a:t>.</a:t>
             </a:r>
           </a:p>
           <a:p>
@@ -17886,7 +18040,7 @@
               <a:t>("</a:t>
             </a:r>
             <a:r>
-              <a:rPr lang="en-US" altLang="ko-KR" dirty="0" err="1">
+              <a:rPr lang="en-US" altLang="ko-KR" err="1">
                 <a:solidFill>
                   <a:srgbClr val="FF0000"/>
                 </a:solidFill>
@@ -17894,13 +18048,25 @@
               <a:t>callList</a:t>
             </a:r>
             <a:r>
-              <a:rPr lang="en-US" altLang="ko-KR" dirty="0">
+              <a:rPr lang="en-US" altLang="ko-KR">
                 <a:solidFill>
                   <a:srgbClr val="FF0000"/>
                 </a:solidFill>
               </a:rPr>
               <a:t>")</a:t>
             </a:r>
+          </a:p>
+          <a:p>
+            <a:pPr lvl="2"/>
+            <a:r>
+              <a:rPr lang="ko-KR" altLang="en-US"/>
+              <a:t>자연스런 내용결합 구성</a:t>
+            </a:r>
+            <a:endParaRPr lang="en-US" altLang="ko-KR" dirty="0">
+              <a:solidFill>
+                <a:srgbClr val="FF0000"/>
+              </a:solidFill>
+            </a:endParaRPr>
           </a:p>
         </p:txBody>
       </p:sp>
@@ -18201,6 +18367,30 @@
                 </a:solidFill>
               </a:rPr>
               <a:t>리플렉션 사용</a:t>
+            </a:r>
+            <a:endParaRPr lang="en-US" altLang="ko-KR">
+              <a:solidFill>
+                <a:srgbClr val="FF0000"/>
+              </a:solidFill>
+            </a:endParaRPr>
+          </a:p>
+          <a:p>
+            <a:pPr lvl="1"/>
+            <a:r>
+              <a:rPr lang="en-US" altLang="ko-KR">
+                <a:solidFill>
+                  <a:srgbClr val="FF0000"/>
+                </a:solidFill>
+              </a:rPr>
+              <a:t>DI </a:t>
+            </a:r>
+            <a:r>
+              <a:rPr lang="ko-KR" altLang="en-US">
+                <a:solidFill>
+                  <a:srgbClr val="FF0000"/>
+                </a:solidFill>
+              </a:rPr>
+              <a:t>정보를 가지고 실행 시점에 기능과 데이터를 결정</a:t>
             </a:r>
             <a:endParaRPr lang="en-US" altLang="ko-KR" dirty="0">
               <a:solidFill>
@@ -18432,13 +18622,29 @@
               <a:t>("</a:t>
             </a:r>
             <a:r>
-              <a:rPr lang="en-US" altLang="ko-KR" dirty="0" err="1"/>
+              <a:rPr lang="en-US" altLang="ko-KR" err="1"/>
               <a:t>callList</a:t>
             </a:r>
             <a:r>
-              <a:rPr lang="en-US" altLang="ko-KR" dirty="0"/>
+              <a:rPr lang="en-US" altLang="ko-KR"/>
               <a:t>")</a:t>
             </a:r>
+          </a:p>
+          <a:p>
+            <a:pPr lvl="1"/>
+            <a:r>
+              <a:rPr lang="ko-KR" altLang="en-US">
+                <a:solidFill>
+                  <a:srgbClr val="FF0000"/>
+                </a:solidFill>
+              </a:rPr>
+              <a:t>서비스 코드간 내용결합도 확보</a:t>
+            </a:r>
+            <a:endParaRPr lang="en-US" altLang="ko-KR" dirty="0">
+              <a:solidFill>
+                <a:srgbClr val="FF0000"/>
+              </a:solidFill>
+            </a:endParaRPr>
           </a:p>
           <a:p>
             <a:pPr lvl="1"/>
